--- a/ppt 16-9/0605.述说不尽的恩典.pptx
+++ b/ppt 16-9/0605.述说不尽的恩典.pptx
@@ -129,7 +129,7 @@
           <p:cNvPr id="2" name="标题 1">
             <a:extLst>
               <a:ext uri="{FF2B5EF4-FFF2-40B4-BE49-F238E27FC236}">
-                <a16:creationId xmlns:a16="http://schemas.microsoft.com/office/drawing/2014/main" id="{81FA2675-75F4-61F5-C18C-187E047CE0B9}"/>
+                <a16:creationId xmlns:a16="http://schemas.microsoft.com/office/drawing/2014/main" id="{0978C2AD-305B-054B-FE7D-2D10C3A7DA24}"/>
               </a:ext>
             </a:extLst>
           </p:cNvPr>
@@ -166,7 +166,7 @@
           <p:cNvPr id="3" name="副标题 2">
             <a:extLst>
               <a:ext uri="{FF2B5EF4-FFF2-40B4-BE49-F238E27FC236}">
-                <a16:creationId xmlns:a16="http://schemas.microsoft.com/office/drawing/2014/main" id="{2799B65B-4995-0A7B-443A-C7D186E15431}"/>
+                <a16:creationId xmlns:a16="http://schemas.microsoft.com/office/drawing/2014/main" id="{FC4EAA70-53BA-5D63-5610-5E0B97E7647D}"/>
               </a:ext>
             </a:extLst>
           </p:cNvPr>
@@ -236,7 +236,7 @@
           <p:cNvPr id="4" name="日期占位符 3">
             <a:extLst>
               <a:ext uri="{FF2B5EF4-FFF2-40B4-BE49-F238E27FC236}">
-                <a16:creationId xmlns:a16="http://schemas.microsoft.com/office/drawing/2014/main" id="{5F72BB7C-CE84-C675-534D-2EF8737101C1}"/>
+                <a16:creationId xmlns:a16="http://schemas.microsoft.com/office/drawing/2014/main" id="{2EBAEB14-EC5D-630D-84DD-884205633AB8}"/>
               </a:ext>
             </a:extLst>
           </p:cNvPr>
@@ -252,7 +252,7 @@
           <a:bodyPr/>
           <a:lstStyle/>
           <a:p>
-            <a:fld id="{D757D591-BE09-4CA1-A6D5-5F0B11F03DDF}" type="datetimeFigureOut">
+            <a:fld id="{B3BA14E5-5E42-4D66-BB28-BF8CE7A41644}" type="datetimeFigureOut">
               <a:rPr lang="zh-CN" altLang="en-US" smtClean="0"/>
               <a:t>2024/3/10</a:t>
             </a:fld>
@@ -265,7 +265,7 @@
           <p:cNvPr id="5" name="页脚占位符 4">
             <a:extLst>
               <a:ext uri="{FF2B5EF4-FFF2-40B4-BE49-F238E27FC236}">
-                <a16:creationId xmlns:a16="http://schemas.microsoft.com/office/drawing/2014/main" id="{511B9790-51F7-AECE-0CB6-A778D4EEB74D}"/>
+                <a16:creationId xmlns:a16="http://schemas.microsoft.com/office/drawing/2014/main" id="{6E8A891A-C70E-1092-B0CE-67507C7B5C2D}"/>
               </a:ext>
             </a:extLst>
           </p:cNvPr>
@@ -290,7 +290,7 @@
           <p:cNvPr id="6" name="灯片编号占位符 5">
             <a:extLst>
               <a:ext uri="{FF2B5EF4-FFF2-40B4-BE49-F238E27FC236}">
-                <a16:creationId xmlns:a16="http://schemas.microsoft.com/office/drawing/2014/main" id="{17C8A251-180A-BFF0-7B24-3C523E8A1C38}"/>
+                <a16:creationId xmlns:a16="http://schemas.microsoft.com/office/drawing/2014/main" id="{4B7585A3-4522-C7EE-88B6-3C6E544DCD03}"/>
               </a:ext>
             </a:extLst>
           </p:cNvPr>
@@ -306,7 +306,7 @@
           <a:bodyPr/>
           <a:lstStyle/>
           <a:p>
-            <a:fld id="{24A48CD3-4B69-4C87-B76E-13E2C9A07EB6}" type="slidenum">
+            <a:fld id="{63928AC6-709D-47F7-9D74-3406BEA47319}" type="slidenum">
               <a:rPr lang="zh-CN" altLang="en-US" smtClean="0"/>
               <a:t>‹#›</a:t>
             </a:fld>
@@ -317,7 +317,7 @@
     </p:spTree>
     <p:extLst>
       <p:ext uri="{BB962C8B-B14F-4D97-AF65-F5344CB8AC3E}">
-        <p14:creationId xmlns:p14="http://schemas.microsoft.com/office/powerpoint/2010/main" val="1839130364"/>
+        <p14:creationId xmlns:p14="http://schemas.microsoft.com/office/powerpoint/2010/main" val="2888543238"/>
       </p:ext>
     </p:extLst>
   </p:cSld>
@@ -349,7 +349,7 @@
           <p:cNvPr id="2" name="标题 1">
             <a:extLst>
               <a:ext uri="{FF2B5EF4-FFF2-40B4-BE49-F238E27FC236}">
-                <a16:creationId xmlns:a16="http://schemas.microsoft.com/office/drawing/2014/main" id="{DE292FB0-11CB-E668-C9C8-11EBC33D9FCD}"/>
+                <a16:creationId xmlns:a16="http://schemas.microsoft.com/office/drawing/2014/main" id="{0ACAA6D1-40A5-9DD1-F70E-E715A9D98CD4}"/>
               </a:ext>
             </a:extLst>
           </p:cNvPr>
@@ -377,7 +377,7 @@
           <p:cNvPr id="3" name="竖排文字占位符 2">
             <a:extLst>
               <a:ext uri="{FF2B5EF4-FFF2-40B4-BE49-F238E27FC236}">
-                <a16:creationId xmlns:a16="http://schemas.microsoft.com/office/drawing/2014/main" id="{AD5B93FA-FDBA-D154-F6A3-FCF2D1971FF2}"/>
+                <a16:creationId xmlns:a16="http://schemas.microsoft.com/office/drawing/2014/main" id="{635AF5CF-F761-A26C-3368-3847F2F62073}"/>
               </a:ext>
             </a:extLst>
           </p:cNvPr>
@@ -434,7 +434,7 @@
           <p:cNvPr id="4" name="日期占位符 3">
             <a:extLst>
               <a:ext uri="{FF2B5EF4-FFF2-40B4-BE49-F238E27FC236}">
-                <a16:creationId xmlns:a16="http://schemas.microsoft.com/office/drawing/2014/main" id="{0098BC66-EFD0-A796-D3F7-7EF88C1B8F9A}"/>
+                <a16:creationId xmlns:a16="http://schemas.microsoft.com/office/drawing/2014/main" id="{B1E821FC-E54D-3CB4-D77D-382853A5BF20}"/>
               </a:ext>
             </a:extLst>
           </p:cNvPr>
@@ -450,7 +450,7 @@
           <a:bodyPr/>
           <a:lstStyle/>
           <a:p>
-            <a:fld id="{D757D591-BE09-4CA1-A6D5-5F0B11F03DDF}" type="datetimeFigureOut">
+            <a:fld id="{B3BA14E5-5E42-4D66-BB28-BF8CE7A41644}" type="datetimeFigureOut">
               <a:rPr lang="zh-CN" altLang="en-US" smtClean="0"/>
               <a:t>2024/3/10</a:t>
             </a:fld>
@@ -463,7 +463,7 @@
           <p:cNvPr id="5" name="页脚占位符 4">
             <a:extLst>
               <a:ext uri="{FF2B5EF4-FFF2-40B4-BE49-F238E27FC236}">
-                <a16:creationId xmlns:a16="http://schemas.microsoft.com/office/drawing/2014/main" id="{0ED8254E-D71F-C391-D02C-A4F77866924E}"/>
+                <a16:creationId xmlns:a16="http://schemas.microsoft.com/office/drawing/2014/main" id="{D2AD5324-60C9-0BA4-5F2F-EA8D6B29BBE9}"/>
               </a:ext>
             </a:extLst>
           </p:cNvPr>
@@ -488,7 +488,7 @@
           <p:cNvPr id="6" name="灯片编号占位符 5">
             <a:extLst>
               <a:ext uri="{FF2B5EF4-FFF2-40B4-BE49-F238E27FC236}">
-                <a16:creationId xmlns:a16="http://schemas.microsoft.com/office/drawing/2014/main" id="{06157A43-413D-94C0-A271-4DABD26F2F99}"/>
+                <a16:creationId xmlns:a16="http://schemas.microsoft.com/office/drawing/2014/main" id="{4C3958D9-6A31-748D-37B5-B13046856AB1}"/>
               </a:ext>
             </a:extLst>
           </p:cNvPr>
@@ -504,7 +504,7 @@
           <a:bodyPr/>
           <a:lstStyle/>
           <a:p>
-            <a:fld id="{24A48CD3-4B69-4C87-B76E-13E2C9A07EB6}" type="slidenum">
+            <a:fld id="{63928AC6-709D-47F7-9D74-3406BEA47319}" type="slidenum">
               <a:rPr lang="zh-CN" altLang="en-US" smtClean="0"/>
               <a:t>‹#›</a:t>
             </a:fld>
@@ -515,7 +515,7 @@
     </p:spTree>
     <p:extLst>
       <p:ext uri="{BB962C8B-B14F-4D97-AF65-F5344CB8AC3E}">
-        <p14:creationId xmlns:p14="http://schemas.microsoft.com/office/powerpoint/2010/main" val="3250032830"/>
+        <p14:creationId xmlns:p14="http://schemas.microsoft.com/office/powerpoint/2010/main" val="4116279413"/>
       </p:ext>
     </p:extLst>
   </p:cSld>
@@ -547,7 +547,7 @@
           <p:cNvPr id="2" name="竖排标题 1">
             <a:extLst>
               <a:ext uri="{FF2B5EF4-FFF2-40B4-BE49-F238E27FC236}">
-                <a16:creationId xmlns:a16="http://schemas.microsoft.com/office/drawing/2014/main" id="{6403F026-EB52-3BA4-4AAD-5AE98D24E1F3}"/>
+                <a16:creationId xmlns:a16="http://schemas.microsoft.com/office/drawing/2014/main" id="{E597F89B-42E5-E946-EC0D-034AEFEFF5AA}"/>
               </a:ext>
             </a:extLst>
           </p:cNvPr>
@@ -580,7 +580,7 @@
           <p:cNvPr id="3" name="竖排文字占位符 2">
             <a:extLst>
               <a:ext uri="{FF2B5EF4-FFF2-40B4-BE49-F238E27FC236}">
-                <a16:creationId xmlns:a16="http://schemas.microsoft.com/office/drawing/2014/main" id="{1ED812DF-84B5-749D-BBD2-1F830D8FF17D}"/>
+                <a16:creationId xmlns:a16="http://schemas.microsoft.com/office/drawing/2014/main" id="{1D46E53B-67E6-40BE-DA47-514A833FA329}"/>
               </a:ext>
             </a:extLst>
           </p:cNvPr>
@@ -642,7 +642,7 @@
           <p:cNvPr id="4" name="日期占位符 3">
             <a:extLst>
               <a:ext uri="{FF2B5EF4-FFF2-40B4-BE49-F238E27FC236}">
-                <a16:creationId xmlns:a16="http://schemas.microsoft.com/office/drawing/2014/main" id="{01D8CC16-C2B3-E343-0BA7-AAF40197A874}"/>
+                <a16:creationId xmlns:a16="http://schemas.microsoft.com/office/drawing/2014/main" id="{DD9520C2-5F81-686A-15F1-2230BE4E6A10}"/>
               </a:ext>
             </a:extLst>
           </p:cNvPr>
@@ -658,7 +658,7 @@
           <a:bodyPr/>
           <a:lstStyle/>
           <a:p>
-            <a:fld id="{D757D591-BE09-4CA1-A6D5-5F0B11F03DDF}" type="datetimeFigureOut">
+            <a:fld id="{B3BA14E5-5E42-4D66-BB28-BF8CE7A41644}" type="datetimeFigureOut">
               <a:rPr lang="zh-CN" altLang="en-US" smtClean="0"/>
               <a:t>2024/3/10</a:t>
             </a:fld>
@@ -671,7 +671,7 @@
           <p:cNvPr id="5" name="页脚占位符 4">
             <a:extLst>
               <a:ext uri="{FF2B5EF4-FFF2-40B4-BE49-F238E27FC236}">
-                <a16:creationId xmlns:a16="http://schemas.microsoft.com/office/drawing/2014/main" id="{6D2BC27E-AD5F-2210-F377-FAB58C01BB82}"/>
+                <a16:creationId xmlns:a16="http://schemas.microsoft.com/office/drawing/2014/main" id="{D31354FE-47B9-D189-8EB9-4CBC7BC08C0B}"/>
               </a:ext>
             </a:extLst>
           </p:cNvPr>
@@ -696,7 +696,7 @@
           <p:cNvPr id="6" name="灯片编号占位符 5">
             <a:extLst>
               <a:ext uri="{FF2B5EF4-FFF2-40B4-BE49-F238E27FC236}">
-                <a16:creationId xmlns:a16="http://schemas.microsoft.com/office/drawing/2014/main" id="{6E65727C-7464-B463-9B1D-AA80F48C0DE5}"/>
+                <a16:creationId xmlns:a16="http://schemas.microsoft.com/office/drawing/2014/main" id="{F1C0D827-FAA4-61C2-4449-47D9653E46A2}"/>
               </a:ext>
             </a:extLst>
           </p:cNvPr>
@@ -712,7 +712,7 @@
           <a:bodyPr/>
           <a:lstStyle/>
           <a:p>
-            <a:fld id="{24A48CD3-4B69-4C87-B76E-13E2C9A07EB6}" type="slidenum">
+            <a:fld id="{63928AC6-709D-47F7-9D74-3406BEA47319}" type="slidenum">
               <a:rPr lang="zh-CN" altLang="en-US" smtClean="0"/>
               <a:t>‹#›</a:t>
             </a:fld>
@@ -723,7 +723,7 @@
     </p:spTree>
     <p:extLst>
       <p:ext uri="{BB962C8B-B14F-4D97-AF65-F5344CB8AC3E}">
-        <p14:creationId xmlns:p14="http://schemas.microsoft.com/office/powerpoint/2010/main" val="802324247"/>
+        <p14:creationId xmlns:p14="http://schemas.microsoft.com/office/powerpoint/2010/main" val="2528620028"/>
       </p:ext>
     </p:extLst>
   </p:cSld>
@@ -755,7 +755,7 @@
           <p:cNvPr id="2" name="标题 1">
             <a:extLst>
               <a:ext uri="{FF2B5EF4-FFF2-40B4-BE49-F238E27FC236}">
-                <a16:creationId xmlns:a16="http://schemas.microsoft.com/office/drawing/2014/main" id="{8E9F7C9B-27A5-3459-DBF3-C777F2B060AA}"/>
+                <a16:creationId xmlns:a16="http://schemas.microsoft.com/office/drawing/2014/main" id="{010FA3CC-7613-76A9-5097-DBE27E77E095}"/>
               </a:ext>
             </a:extLst>
           </p:cNvPr>
@@ -783,7 +783,7 @@
           <p:cNvPr id="3" name="内容占位符 2">
             <a:extLst>
               <a:ext uri="{FF2B5EF4-FFF2-40B4-BE49-F238E27FC236}">
-                <a16:creationId xmlns:a16="http://schemas.microsoft.com/office/drawing/2014/main" id="{2BA5905B-CB24-59D5-D02B-502D9BA815B1}"/>
+                <a16:creationId xmlns:a16="http://schemas.microsoft.com/office/drawing/2014/main" id="{3DB1EACC-D6B2-FAD8-E030-A1526E8425D1}"/>
               </a:ext>
             </a:extLst>
           </p:cNvPr>
@@ -840,7 +840,7 @@
           <p:cNvPr id="4" name="日期占位符 3">
             <a:extLst>
               <a:ext uri="{FF2B5EF4-FFF2-40B4-BE49-F238E27FC236}">
-                <a16:creationId xmlns:a16="http://schemas.microsoft.com/office/drawing/2014/main" id="{AE69C7F6-B6E8-5D01-D631-A80FBC87DFF2}"/>
+                <a16:creationId xmlns:a16="http://schemas.microsoft.com/office/drawing/2014/main" id="{3C774926-5B1C-0AF9-565F-8711B9F84E2E}"/>
               </a:ext>
             </a:extLst>
           </p:cNvPr>
@@ -856,7 +856,7 @@
           <a:bodyPr/>
           <a:lstStyle/>
           <a:p>
-            <a:fld id="{D757D591-BE09-4CA1-A6D5-5F0B11F03DDF}" type="datetimeFigureOut">
+            <a:fld id="{B3BA14E5-5E42-4D66-BB28-BF8CE7A41644}" type="datetimeFigureOut">
               <a:rPr lang="zh-CN" altLang="en-US" smtClean="0"/>
               <a:t>2024/3/10</a:t>
             </a:fld>
@@ -869,7 +869,7 @@
           <p:cNvPr id="5" name="页脚占位符 4">
             <a:extLst>
               <a:ext uri="{FF2B5EF4-FFF2-40B4-BE49-F238E27FC236}">
-                <a16:creationId xmlns:a16="http://schemas.microsoft.com/office/drawing/2014/main" id="{20E96866-12DD-C608-9F1C-DB1F9469CEFA}"/>
+                <a16:creationId xmlns:a16="http://schemas.microsoft.com/office/drawing/2014/main" id="{5CA14802-0A16-D8E7-ED05-01B3376F9C7F}"/>
               </a:ext>
             </a:extLst>
           </p:cNvPr>
@@ -894,7 +894,7 @@
           <p:cNvPr id="6" name="灯片编号占位符 5">
             <a:extLst>
               <a:ext uri="{FF2B5EF4-FFF2-40B4-BE49-F238E27FC236}">
-                <a16:creationId xmlns:a16="http://schemas.microsoft.com/office/drawing/2014/main" id="{D2CE86C7-BA93-F8CD-31ED-55B4C6F852D6}"/>
+                <a16:creationId xmlns:a16="http://schemas.microsoft.com/office/drawing/2014/main" id="{634CD94D-C7E2-63E8-D2A2-21075FC6D52A}"/>
               </a:ext>
             </a:extLst>
           </p:cNvPr>
@@ -910,7 +910,7 @@
           <a:bodyPr/>
           <a:lstStyle/>
           <a:p>
-            <a:fld id="{24A48CD3-4B69-4C87-B76E-13E2C9A07EB6}" type="slidenum">
+            <a:fld id="{63928AC6-709D-47F7-9D74-3406BEA47319}" type="slidenum">
               <a:rPr lang="zh-CN" altLang="en-US" smtClean="0"/>
               <a:t>‹#›</a:t>
             </a:fld>
@@ -921,7 +921,7 @@
     </p:spTree>
     <p:extLst>
       <p:ext uri="{BB962C8B-B14F-4D97-AF65-F5344CB8AC3E}">
-        <p14:creationId xmlns:p14="http://schemas.microsoft.com/office/powerpoint/2010/main" val="827014935"/>
+        <p14:creationId xmlns:p14="http://schemas.microsoft.com/office/powerpoint/2010/main" val="3642463352"/>
       </p:ext>
     </p:extLst>
   </p:cSld>
@@ -953,7 +953,7 @@
           <p:cNvPr id="2" name="标题 1">
             <a:extLst>
               <a:ext uri="{FF2B5EF4-FFF2-40B4-BE49-F238E27FC236}">
-                <a16:creationId xmlns:a16="http://schemas.microsoft.com/office/drawing/2014/main" id="{1B037C74-3255-51A5-0890-705228662E29}"/>
+                <a16:creationId xmlns:a16="http://schemas.microsoft.com/office/drawing/2014/main" id="{55667F2F-34EB-6C13-8099-8DC3D97CFBB2}"/>
               </a:ext>
             </a:extLst>
           </p:cNvPr>
@@ -990,7 +990,7 @@
           <p:cNvPr id="3" name="文本占位符 2">
             <a:extLst>
               <a:ext uri="{FF2B5EF4-FFF2-40B4-BE49-F238E27FC236}">
-                <a16:creationId xmlns:a16="http://schemas.microsoft.com/office/drawing/2014/main" id="{56F33155-975A-E15C-0CE6-BFB00E6A29C1}"/>
+                <a16:creationId xmlns:a16="http://schemas.microsoft.com/office/drawing/2014/main" id="{603D1AA3-CEE9-43A2-5D9B-914984D59969}"/>
               </a:ext>
             </a:extLst>
           </p:cNvPr>
@@ -1115,7 +1115,7 @@
           <p:cNvPr id="4" name="日期占位符 3">
             <a:extLst>
               <a:ext uri="{FF2B5EF4-FFF2-40B4-BE49-F238E27FC236}">
-                <a16:creationId xmlns:a16="http://schemas.microsoft.com/office/drawing/2014/main" id="{DBDD6593-1F60-1E79-7B9B-C768DFA0CD2D}"/>
+                <a16:creationId xmlns:a16="http://schemas.microsoft.com/office/drawing/2014/main" id="{57DE03EE-176B-7D6C-2D48-10252D31AB6A}"/>
               </a:ext>
             </a:extLst>
           </p:cNvPr>
@@ -1131,7 +1131,7 @@
           <a:bodyPr/>
           <a:lstStyle/>
           <a:p>
-            <a:fld id="{D757D591-BE09-4CA1-A6D5-5F0B11F03DDF}" type="datetimeFigureOut">
+            <a:fld id="{B3BA14E5-5E42-4D66-BB28-BF8CE7A41644}" type="datetimeFigureOut">
               <a:rPr lang="zh-CN" altLang="en-US" smtClean="0"/>
               <a:t>2024/3/10</a:t>
             </a:fld>
@@ -1144,7 +1144,7 @@
           <p:cNvPr id="5" name="页脚占位符 4">
             <a:extLst>
               <a:ext uri="{FF2B5EF4-FFF2-40B4-BE49-F238E27FC236}">
-                <a16:creationId xmlns:a16="http://schemas.microsoft.com/office/drawing/2014/main" id="{37E36AA6-177F-D3A4-937D-5DA400D30FB6}"/>
+                <a16:creationId xmlns:a16="http://schemas.microsoft.com/office/drawing/2014/main" id="{D5CF1B75-7F99-6A30-D541-176F9DFB999F}"/>
               </a:ext>
             </a:extLst>
           </p:cNvPr>
@@ -1169,7 +1169,7 @@
           <p:cNvPr id="6" name="灯片编号占位符 5">
             <a:extLst>
               <a:ext uri="{FF2B5EF4-FFF2-40B4-BE49-F238E27FC236}">
-                <a16:creationId xmlns:a16="http://schemas.microsoft.com/office/drawing/2014/main" id="{1736E4DF-D1EA-4251-52F2-DEA0F08BB726}"/>
+                <a16:creationId xmlns:a16="http://schemas.microsoft.com/office/drawing/2014/main" id="{EB755432-3138-4CEE-CADA-DA563E18CE1B}"/>
               </a:ext>
             </a:extLst>
           </p:cNvPr>
@@ -1185,7 +1185,7 @@
           <a:bodyPr/>
           <a:lstStyle/>
           <a:p>
-            <a:fld id="{24A48CD3-4B69-4C87-B76E-13E2C9A07EB6}" type="slidenum">
+            <a:fld id="{63928AC6-709D-47F7-9D74-3406BEA47319}" type="slidenum">
               <a:rPr lang="zh-CN" altLang="en-US" smtClean="0"/>
               <a:t>‹#›</a:t>
             </a:fld>
@@ -1196,7 +1196,7 @@
     </p:spTree>
     <p:extLst>
       <p:ext uri="{BB962C8B-B14F-4D97-AF65-F5344CB8AC3E}">
-        <p14:creationId xmlns:p14="http://schemas.microsoft.com/office/powerpoint/2010/main" val="2493866165"/>
+        <p14:creationId xmlns:p14="http://schemas.microsoft.com/office/powerpoint/2010/main" val="4049320435"/>
       </p:ext>
     </p:extLst>
   </p:cSld>
@@ -1228,7 +1228,7 @@
           <p:cNvPr id="2" name="标题 1">
             <a:extLst>
               <a:ext uri="{FF2B5EF4-FFF2-40B4-BE49-F238E27FC236}">
-                <a16:creationId xmlns:a16="http://schemas.microsoft.com/office/drawing/2014/main" id="{6839ADE9-F630-9207-2911-A9103E503131}"/>
+                <a16:creationId xmlns:a16="http://schemas.microsoft.com/office/drawing/2014/main" id="{2C2CA7DA-96D3-2CCE-16B5-1B5053369D96}"/>
               </a:ext>
             </a:extLst>
           </p:cNvPr>
@@ -1256,7 +1256,7 @@
           <p:cNvPr id="3" name="内容占位符 2">
             <a:extLst>
               <a:ext uri="{FF2B5EF4-FFF2-40B4-BE49-F238E27FC236}">
-                <a16:creationId xmlns:a16="http://schemas.microsoft.com/office/drawing/2014/main" id="{EEE10ED7-F488-1DDD-EF33-9062BA729AB6}"/>
+                <a16:creationId xmlns:a16="http://schemas.microsoft.com/office/drawing/2014/main" id="{28720282-5338-6956-5C7C-5344F120305A}"/>
               </a:ext>
             </a:extLst>
           </p:cNvPr>
@@ -1318,7 +1318,7 @@
           <p:cNvPr id="4" name="内容占位符 3">
             <a:extLst>
               <a:ext uri="{FF2B5EF4-FFF2-40B4-BE49-F238E27FC236}">
-                <a16:creationId xmlns:a16="http://schemas.microsoft.com/office/drawing/2014/main" id="{38A75861-A98E-736B-1BB0-F691720EE4E9}"/>
+                <a16:creationId xmlns:a16="http://schemas.microsoft.com/office/drawing/2014/main" id="{A19ADAB0-97F6-A141-E54A-730B7165E72E}"/>
               </a:ext>
             </a:extLst>
           </p:cNvPr>
@@ -1380,7 +1380,7 @@
           <p:cNvPr id="5" name="日期占位符 4">
             <a:extLst>
               <a:ext uri="{FF2B5EF4-FFF2-40B4-BE49-F238E27FC236}">
-                <a16:creationId xmlns:a16="http://schemas.microsoft.com/office/drawing/2014/main" id="{F187B0ED-8C41-2A01-8BA5-951C5B735522}"/>
+                <a16:creationId xmlns:a16="http://schemas.microsoft.com/office/drawing/2014/main" id="{BC54B2AD-2571-0D1D-E11B-23EF85DCE81E}"/>
               </a:ext>
             </a:extLst>
           </p:cNvPr>
@@ -1396,7 +1396,7 @@
           <a:bodyPr/>
           <a:lstStyle/>
           <a:p>
-            <a:fld id="{D757D591-BE09-4CA1-A6D5-5F0B11F03DDF}" type="datetimeFigureOut">
+            <a:fld id="{B3BA14E5-5E42-4D66-BB28-BF8CE7A41644}" type="datetimeFigureOut">
               <a:rPr lang="zh-CN" altLang="en-US" smtClean="0"/>
               <a:t>2024/3/10</a:t>
             </a:fld>
@@ -1409,7 +1409,7 @@
           <p:cNvPr id="6" name="页脚占位符 5">
             <a:extLst>
               <a:ext uri="{FF2B5EF4-FFF2-40B4-BE49-F238E27FC236}">
-                <a16:creationId xmlns:a16="http://schemas.microsoft.com/office/drawing/2014/main" id="{0AA33729-1800-A050-A2C6-439A9B8ED5A2}"/>
+                <a16:creationId xmlns:a16="http://schemas.microsoft.com/office/drawing/2014/main" id="{15BFA8F6-086F-39F1-A9AD-2EF50D68ACC3}"/>
               </a:ext>
             </a:extLst>
           </p:cNvPr>
@@ -1434,7 +1434,7 @@
           <p:cNvPr id="7" name="灯片编号占位符 6">
             <a:extLst>
               <a:ext uri="{FF2B5EF4-FFF2-40B4-BE49-F238E27FC236}">
-                <a16:creationId xmlns:a16="http://schemas.microsoft.com/office/drawing/2014/main" id="{F0FA56FC-F36C-F2A2-5B7F-267FA1E7B7D5}"/>
+                <a16:creationId xmlns:a16="http://schemas.microsoft.com/office/drawing/2014/main" id="{0FD1D768-977E-833E-55AD-13CD289B94DA}"/>
               </a:ext>
             </a:extLst>
           </p:cNvPr>
@@ -1450,7 +1450,7 @@
           <a:bodyPr/>
           <a:lstStyle/>
           <a:p>
-            <a:fld id="{24A48CD3-4B69-4C87-B76E-13E2C9A07EB6}" type="slidenum">
+            <a:fld id="{63928AC6-709D-47F7-9D74-3406BEA47319}" type="slidenum">
               <a:rPr lang="zh-CN" altLang="en-US" smtClean="0"/>
               <a:t>‹#›</a:t>
             </a:fld>
@@ -1461,7 +1461,7 @@
     </p:spTree>
     <p:extLst>
       <p:ext uri="{BB962C8B-B14F-4D97-AF65-F5344CB8AC3E}">
-        <p14:creationId xmlns:p14="http://schemas.microsoft.com/office/powerpoint/2010/main" val="3036229256"/>
+        <p14:creationId xmlns:p14="http://schemas.microsoft.com/office/powerpoint/2010/main" val="1112000360"/>
       </p:ext>
     </p:extLst>
   </p:cSld>
@@ -1493,7 +1493,7 @@
           <p:cNvPr id="2" name="标题 1">
             <a:extLst>
               <a:ext uri="{FF2B5EF4-FFF2-40B4-BE49-F238E27FC236}">
-                <a16:creationId xmlns:a16="http://schemas.microsoft.com/office/drawing/2014/main" id="{8613A168-E0AF-81C1-99C1-947E503A61C6}"/>
+                <a16:creationId xmlns:a16="http://schemas.microsoft.com/office/drawing/2014/main" id="{E1283489-25C2-53B9-5F64-BF6689B97659}"/>
               </a:ext>
             </a:extLst>
           </p:cNvPr>
@@ -1526,7 +1526,7 @@
           <p:cNvPr id="3" name="文本占位符 2">
             <a:extLst>
               <a:ext uri="{FF2B5EF4-FFF2-40B4-BE49-F238E27FC236}">
-                <a16:creationId xmlns:a16="http://schemas.microsoft.com/office/drawing/2014/main" id="{7583327D-044B-5974-2DE0-83C3A8C93975}"/>
+                <a16:creationId xmlns:a16="http://schemas.microsoft.com/office/drawing/2014/main" id="{8A223409-5757-7DC5-B958-15A07FA386BC}"/>
               </a:ext>
             </a:extLst>
           </p:cNvPr>
@@ -1597,7 +1597,7 @@
           <p:cNvPr id="4" name="内容占位符 3">
             <a:extLst>
               <a:ext uri="{FF2B5EF4-FFF2-40B4-BE49-F238E27FC236}">
-                <a16:creationId xmlns:a16="http://schemas.microsoft.com/office/drawing/2014/main" id="{170A85F8-F3C5-AD56-2BFC-C4A0375AD7D1}"/>
+                <a16:creationId xmlns:a16="http://schemas.microsoft.com/office/drawing/2014/main" id="{AE02ABD2-6F06-2945-ECFF-5A740B574E71}"/>
               </a:ext>
             </a:extLst>
           </p:cNvPr>
@@ -1659,7 +1659,7 @@
           <p:cNvPr id="5" name="文本占位符 4">
             <a:extLst>
               <a:ext uri="{FF2B5EF4-FFF2-40B4-BE49-F238E27FC236}">
-                <a16:creationId xmlns:a16="http://schemas.microsoft.com/office/drawing/2014/main" id="{2A71B533-EACB-3602-BF28-DA9578F21DC2}"/>
+                <a16:creationId xmlns:a16="http://schemas.microsoft.com/office/drawing/2014/main" id="{3491FD00-BC2F-7109-6ADC-30C3BFA64446}"/>
               </a:ext>
             </a:extLst>
           </p:cNvPr>
@@ -1730,7 +1730,7 @@
           <p:cNvPr id="6" name="内容占位符 5">
             <a:extLst>
               <a:ext uri="{FF2B5EF4-FFF2-40B4-BE49-F238E27FC236}">
-                <a16:creationId xmlns:a16="http://schemas.microsoft.com/office/drawing/2014/main" id="{E4C0A735-B09A-96CC-A24E-B1BB3393246B}"/>
+                <a16:creationId xmlns:a16="http://schemas.microsoft.com/office/drawing/2014/main" id="{A9920EDA-AB52-F061-40DF-4F82C483EC7A}"/>
               </a:ext>
             </a:extLst>
           </p:cNvPr>
@@ -1792,7 +1792,7 @@
           <p:cNvPr id="7" name="日期占位符 6">
             <a:extLst>
               <a:ext uri="{FF2B5EF4-FFF2-40B4-BE49-F238E27FC236}">
-                <a16:creationId xmlns:a16="http://schemas.microsoft.com/office/drawing/2014/main" id="{07142248-7ED1-4ABE-83D9-8F0B35529AF7}"/>
+                <a16:creationId xmlns:a16="http://schemas.microsoft.com/office/drawing/2014/main" id="{AE5380D6-9242-259A-23B6-FC7463C23FBE}"/>
               </a:ext>
             </a:extLst>
           </p:cNvPr>
@@ -1808,7 +1808,7 @@
           <a:bodyPr/>
           <a:lstStyle/>
           <a:p>
-            <a:fld id="{D757D591-BE09-4CA1-A6D5-5F0B11F03DDF}" type="datetimeFigureOut">
+            <a:fld id="{B3BA14E5-5E42-4D66-BB28-BF8CE7A41644}" type="datetimeFigureOut">
               <a:rPr lang="zh-CN" altLang="en-US" smtClean="0"/>
               <a:t>2024/3/10</a:t>
             </a:fld>
@@ -1821,7 +1821,7 @@
           <p:cNvPr id="8" name="页脚占位符 7">
             <a:extLst>
               <a:ext uri="{FF2B5EF4-FFF2-40B4-BE49-F238E27FC236}">
-                <a16:creationId xmlns:a16="http://schemas.microsoft.com/office/drawing/2014/main" id="{75CA8C41-7CBF-6F89-16C9-584A765265D3}"/>
+                <a16:creationId xmlns:a16="http://schemas.microsoft.com/office/drawing/2014/main" id="{1E89E40C-944D-C9B7-B1E7-794283B320E5}"/>
               </a:ext>
             </a:extLst>
           </p:cNvPr>
@@ -1846,7 +1846,7 @@
           <p:cNvPr id="9" name="灯片编号占位符 8">
             <a:extLst>
               <a:ext uri="{FF2B5EF4-FFF2-40B4-BE49-F238E27FC236}">
-                <a16:creationId xmlns:a16="http://schemas.microsoft.com/office/drawing/2014/main" id="{18FD5138-B5FA-2881-82BB-2D6A6ED40CBD}"/>
+                <a16:creationId xmlns:a16="http://schemas.microsoft.com/office/drawing/2014/main" id="{61410BA8-61EA-6054-EA79-35481EAFDE06}"/>
               </a:ext>
             </a:extLst>
           </p:cNvPr>
@@ -1862,7 +1862,7 @@
           <a:bodyPr/>
           <a:lstStyle/>
           <a:p>
-            <a:fld id="{24A48CD3-4B69-4C87-B76E-13E2C9A07EB6}" type="slidenum">
+            <a:fld id="{63928AC6-709D-47F7-9D74-3406BEA47319}" type="slidenum">
               <a:rPr lang="zh-CN" altLang="en-US" smtClean="0"/>
               <a:t>‹#›</a:t>
             </a:fld>
@@ -1873,7 +1873,7 @@
     </p:spTree>
     <p:extLst>
       <p:ext uri="{BB962C8B-B14F-4D97-AF65-F5344CB8AC3E}">
-        <p14:creationId xmlns:p14="http://schemas.microsoft.com/office/powerpoint/2010/main" val="3672650438"/>
+        <p14:creationId xmlns:p14="http://schemas.microsoft.com/office/powerpoint/2010/main" val="2900675340"/>
       </p:ext>
     </p:extLst>
   </p:cSld>
@@ -1905,7 +1905,7 @@
           <p:cNvPr id="2" name="标题 1">
             <a:extLst>
               <a:ext uri="{FF2B5EF4-FFF2-40B4-BE49-F238E27FC236}">
-                <a16:creationId xmlns:a16="http://schemas.microsoft.com/office/drawing/2014/main" id="{6C3237D2-2E62-43B9-44B9-209C40746E11}"/>
+                <a16:creationId xmlns:a16="http://schemas.microsoft.com/office/drawing/2014/main" id="{703A0A4D-E9CB-E555-E432-9B2E0B163455}"/>
               </a:ext>
             </a:extLst>
           </p:cNvPr>
@@ -1933,7 +1933,7 @@
           <p:cNvPr id="3" name="日期占位符 2">
             <a:extLst>
               <a:ext uri="{FF2B5EF4-FFF2-40B4-BE49-F238E27FC236}">
-                <a16:creationId xmlns:a16="http://schemas.microsoft.com/office/drawing/2014/main" id="{BB688E95-6632-3DED-B4ED-5AC51597AC75}"/>
+                <a16:creationId xmlns:a16="http://schemas.microsoft.com/office/drawing/2014/main" id="{203C0195-36B0-D6BB-228D-E31E737E636F}"/>
               </a:ext>
             </a:extLst>
           </p:cNvPr>
@@ -1949,7 +1949,7 @@
           <a:bodyPr/>
           <a:lstStyle/>
           <a:p>
-            <a:fld id="{D757D591-BE09-4CA1-A6D5-5F0B11F03DDF}" type="datetimeFigureOut">
+            <a:fld id="{B3BA14E5-5E42-4D66-BB28-BF8CE7A41644}" type="datetimeFigureOut">
               <a:rPr lang="zh-CN" altLang="en-US" smtClean="0"/>
               <a:t>2024/3/10</a:t>
             </a:fld>
@@ -1962,7 +1962,7 @@
           <p:cNvPr id="4" name="页脚占位符 3">
             <a:extLst>
               <a:ext uri="{FF2B5EF4-FFF2-40B4-BE49-F238E27FC236}">
-                <a16:creationId xmlns:a16="http://schemas.microsoft.com/office/drawing/2014/main" id="{130D30B0-600C-EAC9-1CE2-7BC10DFA33CF}"/>
+                <a16:creationId xmlns:a16="http://schemas.microsoft.com/office/drawing/2014/main" id="{B8FF9027-88EC-327F-70BF-2404561089B8}"/>
               </a:ext>
             </a:extLst>
           </p:cNvPr>
@@ -1987,7 +1987,7 @@
           <p:cNvPr id="5" name="灯片编号占位符 4">
             <a:extLst>
               <a:ext uri="{FF2B5EF4-FFF2-40B4-BE49-F238E27FC236}">
-                <a16:creationId xmlns:a16="http://schemas.microsoft.com/office/drawing/2014/main" id="{0DA0FB6C-3CA6-BB0F-A3C4-975BA9147D27}"/>
+                <a16:creationId xmlns:a16="http://schemas.microsoft.com/office/drawing/2014/main" id="{0BAB84E8-A193-7C41-80BB-AABB80334A88}"/>
               </a:ext>
             </a:extLst>
           </p:cNvPr>
@@ -2003,7 +2003,7 @@
           <a:bodyPr/>
           <a:lstStyle/>
           <a:p>
-            <a:fld id="{24A48CD3-4B69-4C87-B76E-13E2C9A07EB6}" type="slidenum">
+            <a:fld id="{63928AC6-709D-47F7-9D74-3406BEA47319}" type="slidenum">
               <a:rPr lang="zh-CN" altLang="en-US" smtClean="0"/>
               <a:t>‹#›</a:t>
             </a:fld>
@@ -2014,7 +2014,7 @@
     </p:spTree>
     <p:extLst>
       <p:ext uri="{BB962C8B-B14F-4D97-AF65-F5344CB8AC3E}">
-        <p14:creationId xmlns:p14="http://schemas.microsoft.com/office/powerpoint/2010/main" val="3787981633"/>
+        <p14:creationId xmlns:p14="http://schemas.microsoft.com/office/powerpoint/2010/main" val="942172468"/>
       </p:ext>
     </p:extLst>
   </p:cSld>
@@ -2046,7 +2046,7 @@
           <p:cNvPr id="2" name="日期占位符 1">
             <a:extLst>
               <a:ext uri="{FF2B5EF4-FFF2-40B4-BE49-F238E27FC236}">
-                <a16:creationId xmlns:a16="http://schemas.microsoft.com/office/drawing/2014/main" id="{5DA63B8E-82B2-C127-FF22-828B67A09ABA}"/>
+                <a16:creationId xmlns:a16="http://schemas.microsoft.com/office/drawing/2014/main" id="{3DBA937B-BF01-51C9-08BA-5A833A37E940}"/>
               </a:ext>
             </a:extLst>
           </p:cNvPr>
@@ -2062,7 +2062,7 @@
           <a:bodyPr/>
           <a:lstStyle/>
           <a:p>
-            <a:fld id="{D757D591-BE09-4CA1-A6D5-5F0B11F03DDF}" type="datetimeFigureOut">
+            <a:fld id="{B3BA14E5-5E42-4D66-BB28-BF8CE7A41644}" type="datetimeFigureOut">
               <a:rPr lang="zh-CN" altLang="en-US" smtClean="0"/>
               <a:t>2024/3/10</a:t>
             </a:fld>
@@ -2075,7 +2075,7 @@
           <p:cNvPr id="3" name="页脚占位符 2">
             <a:extLst>
               <a:ext uri="{FF2B5EF4-FFF2-40B4-BE49-F238E27FC236}">
-                <a16:creationId xmlns:a16="http://schemas.microsoft.com/office/drawing/2014/main" id="{44C68CF9-1847-C651-9263-6A74A64205E3}"/>
+                <a16:creationId xmlns:a16="http://schemas.microsoft.com/office/drawing/2014/main" id="{4AF1DFE0-22D1-1FC8-77D8-D8E4784F1C24}"/>
               </a:ext>
             </a:extLst>
           </p:cNvPr>
@@ -2100,7 +2100,7 @@
           <p:cNvPr id="4" name="灯片编号占位符 3">
             <a:extLst>
               <a:ext uri="{FF2B5EF4-FFF2-40B4-BE49-F238E27FC236}">
-                <a16:creationId xmlns:a16="http://schemas.microsoft.com/office/drawing/2014/main" id="{09C8A389-320F-A3C6-15C2-01E96DE99EC9}"/>
+                <a16:creationId xmlns:a16="http://schemas.microsoft.com/office/drawing/2014/main" id="{55D92A72-941B-146D-9C6B-7D881F5CAF23}"/>
               </a:ext>
             </a:extLst>
           </p:cNvPr>
@@ -2116,7 +2116,7 @@
           <a:bodyPr/>
           <a:lstStyle/>
           <a:p>
-            <a:fld id="{24A48CD3-4B69-4C87-B76E-13E2C9A07EB6}" type="slidenum">
+            <a:fld id="{63928AC6-709D-47F7-9D74-3406BEA47319}" type="slidenum">
               <a:rPr lang="zh-CN" altLang="en-US" smtClean="0"/>
               <a:t>‹#›</a:t>
             </a:fld>
@@ -2127,7 +2127,7 @@
     </p:spTree>
     <p:extLst>
       <p:ext uri="{BB962C8B-B14F-4D97-AF65-F5344CB8AC3E}">
-        <p14:creationId xmlns:p14="http://schemas.microsoft.com/office/powerpoint/2010/main" val="3951546209"/>
+        <p14:creationId xmlns:p14="http://schemas.microsoft.com/office/powerpoint/2010/main" val="1639867627"/>
       </p:ext>
     </p:extLst>
   </p:cSld>
@@ -2159,7 +2159,7 @@
           <p:cNvPr id="2" name="标题 1">
             <a:extLst>
               <a:ext uri="{FF2B5EF4-FFF2-40B4-BE49-F238E27FC236}">
-                <a16:creationId xmlns:a16="http://schemas.microsoft.com/office/drawing/2014/main" id="{88A6C6DC-FD0A-3059-63EC-B985CAA126D9}"/>
+                <a16:creationId xmlns:a16="http://schemas.microsoft.com/office/drawing/2014/main" id="{97A88EAF-D466-9232-05F7-6364E104F20E}"/>
               </a:ext>
             </a:extLst>
           </p:cNvPr>
@@ -2196,7 +2196,7 @@
           <p:cNvPr id="3" name="内容占位符 2">
             <a:extLst>
               <a:ext uri="{FF2B5EF4-FFF2-40B4-BE49-F238E27FC236}">
-                <a16:creationId xmlns:a16="http://schemas.microsoft.com/office/drawing/2014/main" id="{2D0AB1EF-9F32-2A2C-360D-42EAC2A9A55E}"/>
+                <a16:creationId xmlns:a16="http://schemas.microsoft.com/office/drawing/2014/main" id="{C03935CF-2062-A3BF-0E2A-2A5425AB91BB}"/>
               </a:ext>
             </a:extLst>
           </p:cNvPr>
@@ -2286,7 +2286,7 @@
           <p:cNvPr id="4" name="文本占位符 3">
             <a:extLst>
               <a:ext uri="{FF2B5EF4-FFF2-40B4-BE49-F238E27FC236}">
-                <a16:creationId xmlns:a16="http://schemas.microsoft.com/office/drawing/2014/main" id="{16F43BB9-73BC-9A76-1088-EE3DE114613C}"/>
+                <a16:creationId xmlns:a16="http://schemas.microsoft.com/office/drawing/2014/main" id="{61D107A0-78E4-5F22-E864-0D46D187E574}"/>
               </a:ext>
             </a:extLst>
           </p:cNvPr>
@@ -2357,7 +2357,7 @@
           <p:cNvPr id="5" name="日期占位符 4">
             <a:extLst>
               <a:ext uri="{FF2B5EF4-FFF2-40B4-BE49-F238E27FC236}">
-                <a16:creationId xmlns:a16="http://schemas.microsoft.com/office/drawing/2014/main" id="{1C10CA43-6D12-A454-2450-A0BC38E35A3D}"/>
+                <a16:creationId xmlns:a16="http://schemas.microsoft.com/office/drawing/2014/main" id="{FD05222D-4EAA-CA71-3DF7-15224400D09D}"/>
               </a:ext>
             </a:extLst>
           </p:cNvPr>
@@ -2373,7 +2373,7 @@
           <a:bodyPr/>
           <a:lstStyle/>
           <a:p>
-            <a:fld id="{D757D591-BE09-4CA1-A6D5-5F0B11F03DDF}" type="datetimeFigureOut">
+            <a:fld id="{B3BA14E5-5E42-4D66-BB28-BF8CE7A41644}" type="datetimeFigureOut">
               <a:rPr lang="zh-CN" altLang="en-US" smtClean="0"/>
               <a:t>2024/3/10</a:t>
             </a:fld>
@@ -2386,7 +2386,7 @@
           <p:cNvPr id="6" name="页脚占位符 5">
             <a:extLst>
               <a:ext uri="{FF2B5EF4-FFF2-40B4-BE49-F238E27FC236}">
-                <a16:creationId xmlns:a16="http://schemas.microsoft.com/office/drawing/2014/main" id="{3F1AF668-C963-19BF-7AC6-2E81ED9DBC88}"/>
+                <a16:creationId xmlns:a16="http://schemas.microsoft.com/office/drawing/2014/main" id="{F0E536D1-9889-5FB9-6ACD-7ECD49FCFFF7}"/>
               </a:ext>
             </a:extLst>
           </p:cNvPr>
@@ -2411,7 +2411,7 @@
           <p:cNvPr id="7" name="灯片编号占位符 6">
             <a:extLst>
               <a:ext uri="{FF2B5EF4-FFF2-40B4-BE49-F238E27FC236}">
-                <a16:creationId xmlns:a16="http://schemas.microsoft.com/office/drawing/2014/main" id="{E3014D2C-3403-4FE6-FADE-4DFEDB7D9920}"/>
+                <a16:creationId xmlns:a16="http://schemas.microsoft.com/office/drawing/2014/main" id="{7A44536B-4C5B-A260-2257-B40694D21220}"/>
               </a:ext>
             </a:extLst>
           </p:cNvPr>
@@ -2427,7 +2427,7 @@
           <a:bodyPr/>
           <a:lstStyle/>
           <a:p>
-            <a:fld id="{24A48CD3-4B69-4C87-B76E-13E2C9A07EB6}" type="slidenum">
+            <a:fld id="{63928AC6-709D-47F7-9D74-3406BEA47319}" type="slidenum">
               <a:rPr lang="zh-CN" altLang="en-US" smtClean="0"/>
               <a:t>‹#›</a:t>
             </a:fld>
@@ -2438,7 +2438,7 @@
     </p:spTree>
     <p:extLst>
       <p:ext uri="{BB962C8B-B14F-4D97-AF65-F5344CB8AC3E}">
-        <p14:creationId xmlns:p14="http://schemas.microsoft.com/office/powerpoint/2010/main" val="4017001038"/>
+        <p14:creationId xmlns:p14="http://schemas.microsoft.com/office/powerpoint/2010/main" val="3457587255"/>
       </p:ext>
     </p:extLst>
   </p:cSld>
@@ -2470,7 +2470,7 @@
           <p:cNvPr id="2" name="标题 1">
             <a:extLst>
               <a:ext uri="{FF2B5EF4-FFF2-40B4-BE49-F238E27FC236}">
-                <a16:creationId xmlns:a16="http://schemas.microsoft.com/office/drawing/2014/main" id="{CEC74838-5CC3-2C88-8BA6-B7F6593AA821}"/>
+                <a16:creationId xmlns:a16="http://schemas.microsoft.com/office/drawing/2014/main" id="{EDE72186-2886-042A-C95D-A27862488CB0}"/>
               </a:ext>
             </a:extLst>
           </p:cNvPr>
@@ -2507,7 +2507,7 @@
           <p:cNvPr id="3" name="图片占位符 2">
             <a:extLst>
               <a:ext uri="{FF2B5EF4-FFF2-40B4-BE49-F238E27FC236}">
-                <a16:creationId xmlns:a16="http://schemas.microsoft.com/office/drawing/2014/main" id="{5A41FEC6-197D-B019-D2D3-20B773F8DE0D}"/>
+                <a16:creationId xmlns:a16="http://schemas.microsoft.com/office/drawing/2014/main" id="{58E9A98F-506A-5D1A-EAD2-624A6D149085}"/>
               </a:ext>
             </a:extLst>
           </p:cNvPr>
@@ -2574,7 +2574,7 @@
           <p:cNvPr id="4" name="文本占位符 3">
             <a:extLst>
               <a:ext uri="{FF2B5EF4-FFF2-40B4-BE49-F238E27FC236}">
-                <a16:creationId xmlns:a16="http://schemas.microsoft.com/office/drawing/2014/main" id="{9DF17F19-2E21-4F58-340B-2615B1C0A294}"/>
+                <a16:creationId xmlns:a16="http://schemas.microsoft.com/office/drawing/2014/main" id="{16E57A89-49E5-13C3-DA8C-6B031FE35056}"/>
               </a:ext>
             </a:extLst>
           </p:cNvPr>
@@ -2645,7 +2645,7 @@
           <p:cNvPr id="5" name="日期占位符 4">
             <a:extLst>
               <a:ext uri="{FF2B5EF4-FFF2-40B4-BE49-F238E27FC236}">
-                <a16:creationId xmlns:a16="http://schemas.microsoft.com/office/drawing/2014/main" id="{3862A761-E1C3-E566-72EB-201D53180EB3}"/>
+                <a16:creationId xmlns:a16="http://schemas.microsoft.com/office/drawing/2014/main" id="{0F1A47BB-534C-E5A1-F7F3-320A23FCA41A}"/>
               </a:ext>
             </a:extLst>
           </p:cNvPr>
@@ -2661,7 +2661,7 @@
           <a:bodyPr/>
           <a:lstStyle/>
           <a:p>
-            <a:fld id="{D757D591-BE09-4CA1-A6D5-5F0B11F03DDF}" type="datetimeFigureOut">
+            <a:fld id="{B3BA14E5-5E42-4D66-BB28-BF8CE7A41644}" type="datetimeFigureOut">
               <a:rPr lang="zh-CN" altLang="en-US" smtClean="0"/>
               <a:t>2024/3/10</a:t>
             </a:fld>
@@ -2674,7 +2674,7 @@
           <p:cNvPr id="6" name="页脚占位符 5">
             <a:extLst>
               <a:ext uri="{FF2B5EF4-FFF2-40B4-BE49-F238E27FC236}">
-                <a16:creationId xmlns:a16="http://schemas.microsoft.com/office/drawing/2014/main" id="{686E726A-3DEE-4129-E53F-9BED4B1C2785}"/>
+                <a16:creationId xmlns:a16="http://schemas.microsoft.com/office/drawing/2014/main" id="{220FD9A8-75BE-D8E0-C980-38BD14F6020C}"/>
               </a:ext>
             </a:extLst>
           </p:cNvPr>
@@ -2699,7 +2699,7 @@
           <p:cNvPr id="7" name="灯片编号占位符 6">
             <a:extLst>
               <a:ext uri="{FF2B5EF4-FFF2-40B4-BE49-F238E27FC236}">
-                <a16:creationId xmlns:a16="http://schemas.microsoft.com/office/drawing/2014/main" id="{F2AE9E81-7408-512D-DECE-7BA91EA97A91}"/>
+                <a16:creationId xmlns:a16="http://schemas.microsoft.com/office/drawing/2014/main" id="{6490008E-E887-C326-9DDB-512796CBADC3}"/>
               </a:ext>
             </a:extLst>
           </p:cNvPr>
@@ -2715,7 +2715,7 @@
           <a:bodyPr/>
           <a:lstStyle/>
           <a:p>
-            <a:fld id="{24A48CD3-4B69-4C87-B76E-13E2C9A07EB6}" type="slidenum">
+            <a:fld id="{63928AC6-709D-47F7-9D74-3406BEA47319}" type="slidenum">
               <a:rPr lang="zh-CN" altLang="en-US" smtClean="0"/>
               <a:t>‹#›</a:t>
             </a:fld>
@@ -2726,7 +2726,7 @@
     </p:spTree>
     <p:extLst>
       <p:ext uri="{BB962C8B-B14F-4D97-AF65-F5344CB8AC3E}">
-        <p14:creationId xmlns:p14="http://schemas.microsoft.com/office/powerpoint/2010/main" val="629149927"/>
+        <p14:creationId xmlns:p14="http://schemas.microsoft.com/office/powerpoint/2010/main" val="3252363901"/>
       </p:ext>
     </p:extLst>
   </p:cSld>
@@ -2763,7 +2763,7 @@
           <p:cNvPr id="2" name="标题占位符 1">
             <a:extLst>
               <a:ext uri="{FF2B5EF4-FFF2-40B4-BE49-F238E27FC236}">
-                <a16:creationId xmlns:a16="http://schemas.microsoft.com/office/drawing/2014/main" id="{D1956418-C79A-B5BF-664F-5FC758A2E416}"/>
+                <a16:creationId xmlns:a16="http://schemas.microsoft.com/office/drawing/2014/main" id="{971A43D2-0854-2684-878A-6BC17AE76028}"/>
               </a:ext>
             </a:extLst>
           </p:cNvPr>
@@ -2801,7 +2801,7 @@
           <p:cNvPr id="3" name="文本占位符 2">
             <a:extLst>
               <a:ext uri="{FF2B5EF4-FFF2-40B4-BE49-F238E27FC236}">
-                <a16:creationId xmlns:a16="http://schemas.microsoft.com/office/drawing/2014/main" id="{0350885A-9488-E99E-76F3-B1FD7622F9BF}"/>
+                <a16:creationId xmlns:a16="http://schemas.microsoft.com/office/drawing/2014/main" id="{F5EF20EB-4636-3216-D6BB-80D85A89D37A}"/>
               </a:ext>
             </a:extLst>
           </p:cNvPr>
@@ -2868,7 +2868,7 @@
           <p:cNvPr id="4" name="日期占位符 3">
             <a:extLst>
               <a:ext uri="{FF2B5EF4-FFF2-40B4-BE49-F238E27FC236}">
-                <a16:creationId xmlns:a16="http://schemas.microsoft.com/office/drawing/2014/main" id="{3348BB3A-E08C-44BB-D179-22154D0E9F4A}"/>
+                <a16:creationId xmlns:a16="http://schemas.microsoft.com/office/drawing/2014/main" id="{FF0F4833-E33F-D17B-C6E9-D364EF2F8DCF}"/>
               </a:ext>
             </a:extLst>
           </p:cNvPr>
@@ -2902,7 +2902,7 @@
             </a:lvl1pPr>
           </a:lstStyle>
           <a:p>
-            <a:fld id="{D757D591-BE09-4CA1-A6D5-5F0B11F03DDF}" type="datetimeFigureOut">
+            <a:fld id="{B3BA14E5-5E42-4D66-BB28-BF8CE7A41644}" type="datetimeFigureOut">
               <a:rPr lang="zh-CN" altLang="en-US" smtClean="0"/>
               <a:t>2024/3/10</a:t>
             </a:fld>
@@ -2915,7 +2915,7 @@
           <p:cNvPr id="5" name="页脚占位符 4">
             <a:extLst>
               <a:ext uri="{FF2B5EF4-FFF2-40B4-BE49-F238E27FC236}">
-                <a16:creationId xmlns:a16="http://schemas.microsoft.com/office/drawing/2014/main" id="{D77B4BE6-898C-D0DC-4E51-695D137E0F89}"/>
+                <a16:creationId xmlns:a16="http://schemas.microsoft.com/office/drawing/2014/main" id="{424E8F94-549D-281E-94FE-F50D0416D76D}"/>
               </a:ext>
             </a:extLst>
           </p:cNvPr>
@@ -2958,7 +2958,7 @@
           <p:cNvPr id="6" name="灯片编号占位符 5">
             <a:extLst>
               <a:ext uri="{FF2B5EF4-FFF2-40B4-BE49-F238E27FC236}">
-                <a16:creationId xmlns:a16="http://schemas.microsoft.com/office/drawing/2014/main" id="{17B90351-92F7-D40F-8997-B33B44ACAA05}"/>
+                <a16:creationId xmlns:a16="http://schemas.microsoft.com/office/drawing/2014/main" id="{6DA3C1CD-82E8-6285-371E-4E2694FA4DA2}"/>
               </a:ext>
             </a:extLst>
           </p:cNvPr>
@@ -2992,7 +2992,7 @@
             </a:lvl1pPr>
           </a:lstStyle>
           <a:p>
-            <a:fld id="{24A48CD3-4B69-4C87-B76E-13E2C9A07EB6}" type="slidenum">
+            <a:fld id="{63928AC6-709D-47F7-9D74-3406BEA47319}" type="slidenum">
               <a:rPr lang="zh-CN" altLang="en-US" smtClean="0"/>
               <a:t>‹#›</a:t>
             </a:fld>
@@ -3003,7 +3003,7 @@
     </p:spTree>
     <p:extLst>
       <p:ext uri="{BB962C8B-B14F-4D97-AF65-F5344CB8AC3E}">
-        <p14:creationId xmlns:p14="http://schemas.microsoft.com/office/powerpoint/2010/main" val="658595178"/>
+        <p14:creationId xmlns:p14="http://schemas.microsoft.com/office/powerpoint/2010/main" val="1395908497"/>
       </p:ext>
     </p:extLst>
   </p:cSld>
